--- a/94/results/bits-n-bites.pptx
+++ b/94/results/bits-n-bites.pptx
@@ -198,7 +198,7 @@
           <a:p>
             <a:fld id="{82545BD8-FC8A-0546-A491-A4210E96E105}" type="datetimeFigureOut">
               <a:rPr lang="en-US" smtClean="0"/>
-              <a:t>11/4/15</a:t>
+              <a:t>11/5/15</a:t>
             </a:fld>
             <a:endParaRPr lang="en-US"/>
           </a:p>
@@ -364,7 +364,7 @@
           <a:p>
             <a:fld id="{12AA6385-56E5-6843-A817-AFDC2DAC565D}" type="datetimeFigureOut">
               <a:rPr lang="en-US" smtClean="0"/>
-              <a:t>11/4/15</a:t>
+              <a:t>11/5/15</a:t>
             </a:fld>
             <a:endParaRPr lang="en-US"/>
           </a:p>
@@ -4906,7 +4906,12 @@
             <p:ph type="sldNum" sz="quarter" idx="12"/>
           </p:nvPr>
         </p:nvSpPr>
-        <p:spPr/>
+        <p:spPr>
+          <a:xfrm>
+            <a:off x="6553200" y="6450922"/>
+            <a:ext cx="2133600" cy="365125"/>
+          </a:xfrm>
+        </p:spPr>
         <p:txBody>
           <a:bodyPr/>
           <a:lstStyle/>
@@ -4915,13 +4920,13 @@
               <a:rPr lang="en-US" smtClean="0"/>
               <a:t>4</a:t>
             </a:fld>
-            <a:endParaRPr lang="en-US"/>
+            <a:endParaRPr lang="en-US" dirty="0"/>
           </a:p>
         </p:txBody>
       </p:sp>
       <p:pic>
         <p:nvPicPr>
-          <p:cNvPr id="6" name="Picture 5" descr="Screen Shot 2015-11-04 at 5.59.38 PM.png"/>
+          <p:cNvPr id="7" name="Picture 6" descr="Screen Shot 2015-10-30 at 11.52.33 AM.png"/>
           <p:cNvPicPr>
             <a:picLocks noChangeAspect="1"/>
           </p:cNvPicPr>
@@ -4941,37 +4946,7 @@
         </p:blipFill>
         <p:spPr>
           <a:xfrm>
-            <a:off x="0" y="863600"/>
-            <a:ext cx="9144000" cy="5129561"/>
-          </a:xfrm>
-          <a:prstGeom prst="rect">
-            <a:avLst/>
-          </a:prstGeom>
-        </p:spPr>
-      </p:pic>
-      <p:pic>
-        <p:nvPicPr>
-          <p:cNvPr id="7" name="Picture 6" descr="Screen Shot 2015-10-30 at 11.52.33 AM.png"/>
-          <p:cNvPicPr>
-            <a:picLocks noChangeAspect="1"/>
-          </p:cNvPicPr>
-          <p:nvPr/>
-        </p:nvPicPr>
-        <p:blipFill>
-          <a:blip r:embed="rId3">
-            <a:extLst>
-              <a:ext uri="{28A0092B-C50C-407E-A947-70E740481C1C}">
-                <a14:useLocalDpi xmlns:a14="http://schemas.microsoft.com/office/drawing/2010/main" val="0"/>
-              </a:ext>
-            </a:extLst>
-          </a:blip>
-          <a:stretch>
-            <a:fillRect/>
-          </a:stretch>
-        </p:blipFill>
-        <p:spPr>
-          <a:xfrm>
-            <a:off x="7498620" y="0"/>
+            <a:off x="7485108" y="0"/>
             <a:ext cx="1645380" cy="1567157"/>
           </a:xfrm>
           <a:prstGeom prst="rect">
@@ -4979,6 +4954,1814 @@
           </a:prstGeom>
         </p:spPr>
       </p:pic>
+      <p:sp>
+        <p:nvSpPr>
+          <p:cNvPr id="8" name="コンテンツ プレースホルダー 2"/>
+          <p:cNvSpPr>
+            <a:spLocks noGrp="1"/>
+          </p:cNvSpPr>
+          <p:nvPr>
+            <p:ph idx="1"/>
+          </p:nvPr>
+        </p:nvSpPr>
+        <p:spPr>
+          <a:xfrm>
+            <a:off x="28639" y="991079"/>
+            <a:ext cx="8229600" cy="1644503"/>
+          </a:xfrm>
+        </p:spPr>
+        <p:txBody>
+          <a:bodyPr>
+            <a:normAutofit fontScale="92500"/>
+          </a:bodyPr>
+          <a:lstStyle/>
+          <a:p>
+            <a:r>
+              <a:rPr lang="en-US" altLang="ja-JP" b="1" dirty="0" smtClean="0"/>
+              <a:t>Developed</a:t>
+            </a:r>
+            <a:r>
+              <a:rPr lang="en-US" altLang="ja-JP" b="1" dirty="0" smtClean="0">
+                <a:solidFill>
+                  <a:srgbClr val="0000FF"/>
+                </a:solidFill>
+              </a:rPr>
+              <a:t> SFC Proxy </a:t>
+            </a:r>
+            <a:r>
+              <a:rPr lang="en-US" altLang="ja-JP" b="1" dirty="0" smtClean="0"/>
+              <a:t>and </a:t>
+            </a:r>
+            <a:r>
+              <a:rPr lang="en-US" altLang="ja-JP" b="1" dirty="0" smtClean="0">
+                <a:solidFill>
+                  <a:srgbClr val="0000FF"/>
+                </a:solidFill>
+              </a:rPr>
+              <a:t>Test Environment </a:t>
+            </a:r>
+            <a:endParaRPr lang="en-US" altLang="ja-JP" dirty="0">
+              <a:solidFill>
+                <a:srgbClr val="0000FF"/>
+              </a:solidFill>
+            </a:endParaRPr>
+          </a:p>
+          <a:p>
+            <a:pPr lvl="1"/>
+            <a:r>
+              <a:rPr lang="en-US" altLang="ja-JP" dirty="0" smtClean="0"/>
+              <a:t>How to remove/re-attach</a:t>
+            </a:r>
+            <a:r>
+              <a:rPr lang="ja-JP" altLang="en-US" dirty="0" smtClean="0"/>
+              <a:t> </a:t>
+            </a:r>
+            <a:r>
+              <a:rPr lang="en-US" altLang="ja-JP" dirty="0" smtClean="0"/>
+              <a:t>NSH with SFC Proxy (OVS)</a:t>
+            </a:r>
+            <a:endParaRPr lang="en-US" altLang="ja-JP" dirty="0"/>
+          </a:p>
+          <a:p>
+            <a:pPr lvl="1"/>
+            <a:r>
+              <a:rPr lang="en-US" altLang="ja-JP" dirty="0" smtClean="0"/>
+              <a:t>How to test SFC Proxy + VNFs with open source</a:t>
+            </a:r>
+            <a:endParaRPr lang="en-US" altLang="ja-JP" dirty="0"/>
+          </a:p>
+        </p:txBody>
+      </p:sp>
+      <p:grpSp>
+        <p:nvGrpSpPr>
+          <p:cNvPr id="9" name="図形グループ 8"/>
+          <p:cNvGrpSpPr/>
+          <p:nvPr/>
+        </p:nvGrpSpPr>
+        <p:grpSpPr>
+          <a:xfrm>
+            <a:off x="121608" y="3607163"/>
+            <a:ext cx="6277115" cy="2811887"/>
+            <a:chOff x="355553" y="1829841"/>
+            <a:chExt cx="6409731" cy="2902524"/>
+          </a:xfrm>
+        </p:grpSpPr>
+        <p:sp>
+          <p:nvSpPr>
+            <p:cNvPr id="10" name="雲形吹き出し 9"/>
+            <p:cNvSpPr/>
+            <p:nvPr/>
+          </p:nvSpPr>
+          <p:spPr>
+            <a:xfrm>
+              <a:off x="2675664" y="2944812"/>
+              <a:ext cx="3079024" cy="1787553"/>
+            </a:xfrm>
+            <a:prstGeom prst="cloudCallout">
+              <a:avLst>
+                <a:gd name="adj1" fmla="val -54329"/>
+                <a:gd name="adj2" fmla="val 9427"/>
+              </a:avLst>
+            </a:prstGeom>
+          </p:spPr>
+          <p:style>
+            <a:lnRef idx="2">
+              <a:schemeClr val="dk1"/>
+            </a:lnRef>
+            <a:fillRef idx="1">
+              <a:schemeClr val="lt1"/>
+            </a:fillRef>
+            <a:effectRef idx="0">
+              <a:schemeClr val="dk1"/>
+            </a:effectRef>
+            <a:fontRef idx="minor">
+              <a:schemeClr val="dk1"/>
+            </a:fontRef>
+          </p:style>
+          <p:txBody>
+            <a:bodyPr rtlCol="0" anchor="ctr"/>
+            <a:lstStyle/>
+            <a:p>
+              <a:pPr algn="ctr"/>
+              <a:endParaRPr kumimoji="1" lang="ja-JP" altLang="en-US" sz="1050" dirty="0">
+                <a:latin typeface="ヒラギノ丸ゴ ProN W4"/>
+                <a:ea typeface="ヒラギノ丸ゴ ProN W4"/>
+                <a:cs typeface="ヒラギノ丸ゴ ProN W4"/>
+              </a:endParaRPr>
+            </a:p>
+          </p:txBody>
+        </p:sp>
+        <p:sp>
+          <p:nvSpPr>
+            <p:cNvPr id="11" name="雲形吹き出し 10"/>
+            <p:cNvSpPr/>
+            <p:nvPr/>
+          </p:nvSpPr>
+          <p:spPr>
+            <a:xfrm>
+              <a:off x="1046160" y="3437607"/>
+              <a:ext cx="1553221" cy="834252"/>
+            </a:xfrm>
+            <a:prstGeom prst="cloudCallout">
+              <a:avLst>
+                <a:gd name="adj1" fmla="val 64743"/>
+                <a:gd name="adj2" fmla="val 11010"/>
+              </a:avLst>
+            </a:prstGeom>
+          </p:spPr>
+          <p:style>
+            <a:lnRef idx="2">
+              <a:schemeClr val="dk1"/>
+            </a:lnRef>
+            <a:fillRef idx="1">
+              <a:schemeClr val="lt1"/>
+            </a:fillRef>
+            <a:effectRef idx="0">
+              <a:schemeClr val="dk1"/>
+            </a:effectRef>
+            <a:fontRef idx="minor">
+              <a:schemeClr val="dk1"/>
+            </a:fontRef>
+          </p:style>
+          <p:txBody>
+            <a:bodyPr rtlCol="0" anchor="ctr"/>
+            <a:lstStyle/>
+            <a:p>
+              <a:pPr algn="ctr"/>
+              <a:endParaRPr kumimoji="1" lang="ja-JP" altLang="en-US" sz="1050" dirty="0">
+                <a:latin typeface="ヒラギノ丸ゴ ProN W4"/>
+                <a:ea typeface="ヒラギノ丸ゴ ProN W4"/>
+                <a:cs typeface="ヒラギノ丸ゴ ProN W4"/>
+              </a:endParaRPr>
+            </a:p>
+          </p:txBody>
+        </p:sp>
+        <p:sp>
+          <p:nvSpPr>
+            <p:cNvPr id="12" name="正方形/長方形 11"/>
+            <p:cNvSpPr/>
+            <p:nvPr/>
+          </p:nvSpPr>
+          <p:spPr>
+            <a:xfrm>
+              <a:off x="1881882" y="3769033"/>
+              <a:ext cx="1172544" cy="308410"/>
+            </a:xfrm>
+            <a:prstGeom prst="rect">
+              <a:avLst/>
+            </a:prstGeom>
+          </p:spPr>
+          <p:style>
+            <a:lnRef idx="2">
+              <a:schemeClr val="dk1"/>
+            </a:lnRef>
+            <a:fillRef idx="1">
+              <a:schemeClr val="lt1"/>
+            </a:fillRef>
+            <a:effectRef idx="0">
+              <a:schemeClr val="dk1"/>
+            </a:effectRef>
+            <a:fontRef idx="minor">
+              <a:schemeClr val="dk1"/>
+            </a:fontRef>
+          </p:style>
+          <p:txBody>
+            <a:bodyPr rtlCol="0" anchor="ctr"/>
+            <a:lstStyle/>
+            <a:p>
+              <a:pPr algn="ctr"/>
+              <a:r>
+                <a:rPr lang="en-US" altLang="ja-JP" sz="1200" dirty="0" smtClean="0">
+                  <a:latin typeface="ヒラギノ丸ゴ ProN W4"/>
+                  <a:ea typeface="ヒラギノ丸ゴ ProN W4"/>
+                  <a:cs typeface="ヒラギノ丸ゴ ProN W4"/>
+                </a:rPr>
+                <a:t>Classifier</a:t>
+              </a:r>
+            </a:p>
+          </p:txBody>
+        </p:sp>
+        <p:sp>
+          <p:nvSpPr>
+            <p:cNvPr id="13" name="正方形/長方形 12"/>
+            <p:cNvSpPr/>
+            <p:nvPr/>
+          </p:nvSpPr>
+          <p:spPr>
+            <a:xfrm>
+              <a:off x="3769243" y="3769033"/>
+              <a:ext cx="1172544" cy="308410"/>
+            </a:xfrm>
+            <a:prstGeom prst="rect">
+              <a:avLst/>
+            </a:prstGeom>
+          </p:spPr>
+          <p:style>
+            <a:lnRef idx="2">
+              <a:schemeClr val="dk1"/>
+            </a:lnRef>
+            <a:fillRef idx="1">
+              <a:schemeClr val="lt1"/>
+            </a:fillRef>
+            <a:effectRef idx="0">
+              <a:schemeClr val="dk1"/>
+            </a:effectRef>
+            <a:fontRef idx="minor">
+              <a:schemeClr val="dk1"/>
+            </a:fontRef>
+          </p:style>
+          <p:txBody>
+            <a:bodyPr rtlCol="0" anchor="ctr"/>
+            <a:lstStyle/>
+            <a:p>
+              <a:pPr algn="ctr"/>
+              <a:r>
+                <a:rPr lang="en-US" altLang="ja-JP" sz="1200" dirty="0" smtClean="0">
+                  <a:latin typeface="ヒラギノ丸ゴ ProN W4"/>
+                  <a:ea typeface="ヒラギノ丸ゴ ProN W4"/>
+                  <a:cs typeface="ヒラギノ丸ゴ ProN W4"/>
+                </a:rPr>
+                <a:t>SFF</a:t>
+              </a:r>
+            </a:p>
+          </p:txBody>
+        </p:sp>
+        <p:cxnSp>
+          <p:nvCxnSpPr>
+            <p:cNvPr id="14" name="直線矢印コネクタ 13"/>
+            <p:cNvCxnSpPr>
+              <a:endCxn id="12" idx="1"/>
+            </p:cNvCxnSpPr>
+            <p:nvPr/>
+          </p:nvCxnSpPr>
+          <p:spPr>
+            <a:xfrm flipV="1">
+              <a:off x="901147" y="3923238"/>
+              <a:ext cx="980735" cy="2"/>
+            </a:xfrm>
+            <a:prstGeom prst="straightConnector1">
+              <a:avLst/>
+            </a:prstGeom>
+            <a:ln>
+              <a:solidFill>
+                <a:schemeClr val="tx1"/>
+              </a:solidFill>
+              <a:tailEnd type="arrow" w="lg" len="lg"/>
+            </a:ln>
+          </p:spPr>
+          <p:style>
+            <a:lnRef idx="3">
+              <a:schemeClr val="accent1"/>
+            </a:lnRef>
+            <a:fillRef idx="0">
+              <a:schemeClr val="accent1"/>
+            </a:fillRef>
+            <a:effectRef idx="2">
+              <a:schemeClr val="accent1"/>
+            </a:effectRef>
+            <a:fontRef idx="minor">
+              <a:schemeClr val="tx1"/>
+            </a:fontRef>
+          </p:style>
+        </p:cxnSp>
+        <p:cxnSp>
+          <p:nvCxnSpPr>
+            <p:cNvPr id="15" name="直線矢印コネクタ 14"/>
+            <p:cNvCxnSpPr/>
+            <p:nvPr/>
+          </p:nvCxnSpPr>
+          <p:spPr>
+            <a:xfrm flipH="1" flipV="1">
+              <a:off x="4121168" y="3143114"/>
+              <a:ext cx="0" cy="680815"/>
+            </a:xfrm>
+            <a:prstGeom prst="straightConnector1">
+              <a:avLst/>
+            </a:prstGeom>
+            <a:ln>
+              <a:solidFill>
+                <a:srgbClr val="000000"/>
+              </a:solidFill>
+              <a:tailEnd type="arrow" w="lg" len="lg"/>
+            </a:ln>
+          </p:spPr>
+          <p:style>
+            <a:lnRef idx="3">
+              <a:schemeClr val="accent1"/>
+            </a:lnRef>
+            <a:fillRef idx="0">
+              <a:schemeClr val="accent1"/>
+            </a:fillRef>
+            <a:effectRef idx="2">
+              <a:schemeClr val="accent1"/>
+            </a:effectRef>
+            <a:fontRef idx="minor">
+              <a:schemeClr val="tx1"/>
+            </a:fontRef>
+          </p:style>
+        </p:cxnSp>
+        <p:cxnSp>
+          <p:nvCxnSpPr>
+            <p:cNvPr id="16" name="直線矢印コネクタ 15"/>
+            <p:cNvCxnSpPr/>
+            <p:nvPr/>
+          </p:nvCxnSpPr>
+          <p:spPr>
+            <a:xfrm flipH="1">
+              <a:off x="4603242" y="3133188"/>
+              <a:ext cx="0" cy="680815"/>
+            </a:xfrm>
+            <a:prstGeom prst="straightConnector1">
+              <a:avLst/>
+            </a:prstGeom>
+            <a:ln>
+              <a:solidFill>
+                <a:srgbClr val="000000"/>
+              </a:solidFill>
+              <a:tailEnd type="arrow" w="lg" len="lg"/>
+            </a:ln>
+          </p:spPr>
+          <p:style>
+            <a:lnRef idx="3">
+              <a:schemeClr val="accent1"/>
+            </a:lnRef>
+            <a:fillRef idx="0">
+              <a:schemeClr val="accent1"/>
+            </a:fillRef>
+            <a:effectRef idx="2">
+              <a:schemeClr val="accent1"/>
+            </a:effectRef>
+            <a:fontRef idx="minor">
+              <a:schemeClr val="tx1"/>
+            </a:fontRef>
+          </p:style>
+        </p:cxnSp>
+        <p:cxnSp>
+          <p:nvCxnSpPr>
+            <p:cNvPr id="17" name="直線矢印コネクタ 16"/>
+            <p:cNvCxnSpPr>
+              <a:stCxn id="12" idx="3"/>
+              <a:endCxn id="13" idx="1"/>
+            </p:cNvCxnSpPr>
+            <p:nvPr/>
+          </p:nvCxnSpPr>
+          <p:spPr>
+            <a:xfrm>
+              <a:off x="3054426" y="3923238"/>
+              <a:ext cx="714817" cy="0"/>
+            </a:xfrm>
+            <a:prstGeom prst="straightConnector1">
+              <a:avLst/>
+            </a:prstGeom>
+            <a:ln>
+              <a:solidFill>
+                <a:schemeClr val="tx1"/>
+              </a:solidFill>
+              <a:tailEnd type="arrow" w="lg" len="lg"/>
+            </a:ln>
+          </p:spPr>
+          <p:style>
+            <a:lnRef idx="3">
+              <a:schemeClr val="accent1"/>
+            </a:lnRef>
+            <a:fillRef idx="0">
+              <a:schemeClr val="accent1"/>
+            </a:fillRef>
+            <a:effectRef idx="2">
+              <a:schemeClr val="accent1"/>
+            </a:effectRef>
+            <a:fontRef idx="minor">
+              <a:schemeClr val="tx1"/>
+            </a:fontRef>
+          </p:style>
+        </p:cxnSp>
+        <p:cxnSp>
+          <p:nvCxnSpPr>
+            <p:cNvPr id="18" name="直線矢印コネクタ 17"/>
+            <p:cNvCxnSpPr/>
+            <p:nvPr/>
+          </p:nvCxnSpPr>
+          <p:spPr>
+            <a:xfrm>
+              <a:off x="4941787" y="3919340"/>
+              <a:ext cx="1261263" cy="1"/>
+            </a:xfrm>
+            <a:prstGeom prst="straightConnector1">
+              <a:avLst/>
+            </a:prstGeom>
+            <a:ln>
+              <a:solidFill>
+                <a:schemeClr val="tx1"/>
+              </a:solidFill>
+              <a:tailEnd type="arrow" w="lg" len="lg"/>
+            </a:ln>
+          </p:spPr>
+          <p:style>
+            <a:lnRef idx="3">
+              <a:schemeClr val="accent1"/>
+            </a:lnRef>
+            <a:fillRef idx="0">
+              <a:schemeClr val="accent1"/>
+            </a:fillRef>
+            <a:effectRef idx="2">
+              <a:schemeClr val="accent1"/>
+            </a:effectRef>
+            <a:fontRef idx="minor">
+              <a:schemeClr val="tx1"/>
+            </a:fontRef>
+          </p:style>
+        </p:cxnSp>
+        <p:pic>
+          <p:nvPicPr>
+            <p:cNvPr id="19" name="図 18" descr="computer-7.png"/>
+            <p:cNvPicPr>
+              <a:picLocks noChangeAspect="1"/>
+            </p:cNvPicPr>
+            <p:nvPr/>
+          </p:nvPicPr>
+          <p:blipFill>
+            <a:blip r:embed="rId3">
+              <a:extLst>
+                <a:ext uri="{28A0092B-C50C-407E-A947-70E740481C1C}">
+                  <a14:useLocalDpi xmlns:a14="http://schemas.microsoft.com/office/drawing/2010/main" val="0"/>
+                </a:ext>
+              </a:extLst>
+            </a:blip>
+            <a:stretch>
+              <a:fillRect/>
+            </a:stretch>
+          </p:blipFill>
+          <p:spPr>
+            <a:xfrm>
+              <a:off x="355553" y="3708042"/>
+              <a:ext cx="545595" cy="409196"/>
+            </a:xfrm>
+            <a:prstGeom prst="rect">
+              <a:avLst/>
+            </a:prstGeom>
+          </p:spPr>
+        </p:pic>
+        <p:pic>
+          <p:nvPicPr>
+            <p:cNvPr id="20" name="図 19" descr="60216-200.png"/>
+            <p:cNvPicPr>
+              <a:picLocks noChangeAspect="1"/>
+            </p:cNvPicPr>
+            <p:nvPr/>
+          </p:nvPicPr>
+          <p:blipFill>
+            <a:blip r:embed="rId4">
+              <a:extLst>
+                <a:ext uri="{28A0092B-C50C-407E-A947-70E740481C1C}">
+                  <a14:useLocalDpi xmlns:a14="http://schemas.microsoft.com/office/drawing/2010/main" val="0"/>
+                </a:ext>
+              </a:extLst>
+            </a:blip>
+            <a:stretch>
+              <a:fillRect/>
+            </a:stretch>
+          </p:blipFill>
+          <p:spPr>
+            <a:xfrm>
+              <a:off x="6029536" y="3643435"/>
+              <a:ext cx="735748" cy="551811"/>
+            </a:xfrm>
+            <a:prstGeom prst="rect">
+              <a:avLst/>
+            </a:prstGeom>
+          </p:spPr>
+        </p:pic>
+        <p:sp>
+          <p:nvSpPr>
+            <p:cNvPr id="21" name="正方形/長方形 20"/>
+            <p:cNvSpPr/>
+            <p:nvPr/>
+          </p:nvSpPr>
+          <p:spPr>
+            <a:xfrm>
+              <a:off x="5520320" y="4347569"/>
+              <a:ext cx="480354" cy="224045"/>
+            </a:xfrm>
+            <a:prstGeom prst="rect">
+              <a:avLst/>
+            </a:prstGeom>
+            <a:effectLst/>
+          </p:spPr>
+          <p:style>
+            <a:lnRef idx="1">
+              <a:schemeClr val="accent3"/>
+            </a:lnRef>
+            <a:fillRef idx="2">
+              <a:schemeClr val="accent3"/>
+            </a:fillRef>
+            <a:effectRef idx="1">
+              <a:schemeClr val="accent3"/>
+            </a:effectRef>
+            <a:fontRef idx="minor">
+              <a:schemeClr val="dk1"/>
+            </a:fontRef>
+          </p:style>
+          <p:txBody>
+            <a:bodyPr rtlCol="0" anchor="ctr"/>
+            <a:lstStyle/>
+            <a:p>
+              <a:pPr algn="ctr"/>
+              <a:r>
+                <a:rPr lang="en-US" altLang="ja-JP" sz="900" dirty="0" smtClean="0">
+                  <a:latin typeface="ヒラギノ丸ゴ ProN W4"/>
+                  <a:ea typeface="ヒラギノ丸ゴ ProN W4"/>
+                  <a:cs typeface="ヒラギノ丸ゴ ProN W4"/>
+                </a:rPr>
+                <a:t>Data</a:t>
+              </a:r>
+              <a:endParaRPr kumimoji="1" lang="ja-JP" altLang="en-US" sz="900" dirty="0">
+                <a:latin typeface="ヒラギノ丸ゴ ProN W4"/>
+                <a:ea typeface="ヒラギノ丸ゴ ProN W4"/>
+                <a:cs typeface="ヒラギノ丸ゴ ProN W4"/>
+              </a:endParaRPr>
+            </a:p>
+          </p:txBody>
+        </p:sp>
+        <p:sp>
+          <p:nvSpPr>
+            <p:cNvPr id="22" name="正方形/長方形 21"/>
+            <p:cNvSpPr/>
+            <p:nvPr/>
+          </p:nvSpPr>
+          <p:spPr>
+            <a:xfrm>
+              <a:off x="2942379" y="4339438"/>
+              <a:ext cx="480354" cy="224045"/>
+            </a:xfrm>
+            <a:prstGeom prst="rect">
+              <a:avLst/>
+            </a:prstGeom>
+            <a:effectLst/>
+          </p:spPr>
+          <p:style>
+            <a:lnRef idx="1">
+              <a:schemeClr val="accent3"/>
+            </a:lnRef>
+            <a:fillRef idx="2">
+              <a:schemeClr val="accent3"/>
+            </a:fillRef>
+            <a:effectRef idx="1">
+              <a:schemeClr val="accent3"/>
+            </a:effectRef>
+            <a:fontRef idx="minor">
+              <a:schemeClr val="dk1"/>
+            </a:fontRef>
+          </p:style>
+          <p:txBody>
+            <a:bodyPr rtlCol="0" anchor="ctr"/>
+            <a:lstStyle/>
+            <a:p>
+              <a:pPr algn="ctr"/>
+              <a:r>
+                <a:rPr lang="en-US" altLang="ja-JP" sz="900" dirty="0" smtClean="0">
+                  <a:latin typeface="ヒラギノ丸ゴ ProN W4"/>
+                  <a:ea typeface="ヒラギノ丸ゴ ProN W4"/>
+                  <a:cs typeface="ヒラギノ丸ゴ ProN W4"/>
+                </a:rPr>
+                <a:t>Data</a:t>
+              </a:r>
+              <a:endParaRPr kumimoji="1" lang="ja-JP" altLang="en-US" sz="900" dirty="0">
+                <a:latin typeface="ヒラギノ丸ゴ ProN W4"/>
+                <a:ea typeface="ヒラギノ丸ゴ ProN W4"/>
+                <a:cs typeface="ヒラギノ丸ゴ ProN W4"/>
+              </a:endParaRPr>
+            </a:p>
+          </p:txBody>
+        </p:sp>
+        <p:sp>
+          <p:nvSpPr>
+            <p:cNvPr id="23" name="正方形/長方形 22"/>
+            <p:cNvSpPr/>
+            <p:nvPr/>
+          </p:nvSpPr>
+          <p:spPr>
+            <a:xfrm>
+              <a:off x="2462025" y="4339438"/>
+              <a:ext cx="480354" cy="224045"/>
+            </a:xfrm>
+            <a:prstGeom prst="rect">
+              <a:avLst/>
+            </a:prstGeom>
+            <a:effectLst/>
+          </p:spPr>
+          <p:style>
+            <a:lnRef idx="1">
+              <a:schemeClr val="accent1"/>
+            </a:lnRef>
+            <a:fillRef idx="2">
+              <a:schemeClr val="accent1"/>
+            </a:fillRef>
+            <a:effectRef idx="1">
+              <a:schemeClr val="accent1"/>
+            </a:effectRef>
+            <a:fontRef idx="minor">
+              <a:schemeClr val="dk1"/>
+            </a:fontRef>
+          </p:style>
+          <p:txBody>
+            <a:bodyPr rtlCol="0" anchor="ctr"/>
+            <a:lstStyle/>
+            <a:p>
+              <a:pPr algn="ctr"/>
+              <a:r>
+                <a:rPr lang="en-US" altLang="ja-JP" sz="900" dirty="0" smtClean="0">
+                  <a:latin typeface="ヒラギノ丸ゴ ProN W4"/>
+                  <a:ea typeface="ヒラギノ丸ゴ ProN W4"/>
+                  <a:cs typeface="ヒラギノ丸ゴ ProN W4"/>
+                </a:rPr>
+                <a:t>NSH</a:t>
+              </a:r>
+              <a:endParaRPr kumimoji="1" lang="ja-JP" altLang="en-US" sz="900" dirty="0">
+                <a:latin typeface="ヒラギノ丸ゴ ProN W4"/>
+                <a:ea typeface="ヒラギノ丸ゴ ProN W4"/>
+                <a:cs typeface="ヒラギノ丸ゴ ProN W4"/>
+              </a:endParaRPr>
+            </a:p>
+          </p:txBody>
+        </p:sp>
+        <p:sp>
+          <p:nvSpPr>
+            <p:cNvPr id="24" name="正方形/長方形 23"/>
+            <p:cNvSpPr/>
+            <p:nvPr/>
+          </p:nvSpPr>
+          <p:spPr>
+            <a:xfrm>
+              <a:off x="959574" y="4350278"/>
+              <a:ext cx="480354" cy="224045"/>
+            </a:xfrm>
+            <a:prstGeom prst="rect">
+              <a:avLst/>
+            </a:prstGeom>
+            <a:effectLst/>
+          </p:spPr>
+          <p:style>
+            <a:lnRef idx="1">
+              <a:schemeClr val="accent3"/>
+            </a:lnRef>
+            <a:fillRef idx="2">
+              <a:schemeClr val="accent3"/>
+            </a:fillRef>
+            <a:effectRef idx="1">
+              <a:schemeClr val="accent3"/>
+            </a:effectRef>
+            <a:fontRef idx="minor">
+              <a:schemeClr val="dk1"/>
+            </a:fontRef>
+          </p:style>
+          <p:txBody>
+            <a:bodyPr rtlCol="0" anchor="ctr"/>
+            <a:lstStyle/>
+            <a:p>
+              <a:pPr algn="ctr"/>
+              <a:r>
+                <a:rPr lang="en-US" altLang="ja-JP" sz="900" dirty="0" smtClean="0">
+                  <a:latin typeface="ヒラギノ丸ゴ ProN W4"/>
+                  <a:ea typeface="ヒラギノ丸ゴ ProN W4"/>
+                  <a:cs typeface="ヒラギノ丸ゴ ProN W4"/>
+                </a:rPr>
+                <a:t>Data</a:t>
+              </a:r>
+              <a:endParaRPr kumimoji="1" lang="ja-JP" altLang="en-US" sz="900" dirty="0">
+                <a:latin typeface="ヒラギノ丸ゴ ProN W4"/>
+                <a:ea typeface="ヒラギノ丸ゴ ProN W4"/>
+                <a:cs typeface="ヒラギノ丸ゴ ProN W4"/>
+              </a:endParaRPr>
+            </a:p>
+          </p:txBody>
+        </p:sp>
+        <p:grpSp>
+          <p:nvGrpSpPr>
+            <p:cNvPr id="25" name="図形グループ 24"/>
+            <p:cNvGrpSpPr/>
+            <p:nvPr/>
+          </p:nvGrpSpPr>
+          <p:grpSpPr>
+            <a:xfrm>
+              <a:off x="3071030" y="2980073"/>
+              <a:ext cx="2144928" cy="999490"/>
+              <a:chOff x="1946682" y="3549885"/>
+              <a:chExt cx="5563380" cy="3142318"/>
+            </a:xfrm>
+            <a:solidFill>
+              <a:schemeClr val="accent3">
+                <a:lumMod val="40000"/>
+                <a:lumOff val="60000"/>
+                <a:alpha val="70000"/>
+              </a:schemeClr>
+            </a:solidFill>
+          </p:grpSpPr>
+          <p:grpSp>
+            <p:nvGrpSpPr>
+              <p:cNvPr id="35" name="図形グループ 34"/>
+              <p:cNvGrpSpPr/>
+              <p:nvPr/>
+            </p:nvGrpSpPr>
+            <p:grpSpPr>
+              <a:xfrm>
+                <a:off x="1946682" y="3549885"/>
+                <a:ext cx="3430162" cy="3142314"/>
+                <a:chOff x="1946682" y="3549885"/>
+                <a:chExt cx="3430162" cy="3142314"/>
+              </a:xfrm>
+              <a:grpFill/>
+            </p:grpSpPr>
+            <p:sp>
+              <p:nvSpPr>
+                <p:cNvPr id="39" name="曲折矢印 38"/>
+                <p:cNvSpPr/>
+                <p:nvPr/>
+              </p:nvSpPr>
+              <p:spPr>
+                <a:xfrm>
+                  <a:off x="4564003" y="3549885"/>
+                  <a:ext cx="812841" cy="2163782"/>
+                </a:xfrm>
+                <a:prstGeom prst="bentArrow">
+                  <a:avLst>
+                    <a:gd name="adj1" fmla="val 50000"/>
+                    <a:gd name="adj2" fmla="val 25000"/>
+                    <a:gd name="adj3" fmla="val 0"/>
+                    <a:gd name="adj4" fmla="val 61528"/>
+                  </a:avLst>
+                </a:prstGeom>
+                <a:grpFill/>
+                <a:ln>
+                  <a:noFill/>
+                </a:ln>
+              </p:spPr>
+              <p:style>
+                <a:lnRef idx="2">
+                  <a:schemeClr val="accent1"/>
+                </a:lnRef>
+                <a:fillRef idx="1">
+                  <a:schemeClr val="lt1"/>
+                </a:fillRef>
+                <a:effectRef idx="0">
+                  <a:schemeClr val="accent1"/>
+                </a:effectRef>
+                <a:fontRef idx="minor">
+                  <a:schemeClr val="dk1"/>
+                </a:fontRef>
+              </p:style>
+              <p:txBody>
+                <a:bodyPr rtlCol="0" anchor="ctr"/>
+                <a:lstStyle/>
+                <a:p>
+                  <a:pPr algn="ctr"/>
+                  <a:endParaRPr kumimoji="1" lang="ja-JP" altLang="en-US" sz="1400">
+                    <a:solidFill>
+                      <a:schemeClr val="tx1"/>
+                    </a:solidFill>
+                    <a:latin typeface="ヒラギノ丸ゴ ProN W4"/>
+                    <a:ea typeface="ヒラギノ丸ゴ ProN W4"/>
+                    <a:cs typeface="ヒラギノ丸ゴ ProN W4"/>
+                  </a:endParaRPr>
+                </a:p>
+              </p:txBody>
+            </p:sp>
+            <p:sp>
+              <p:nvSpPr>
+                <p:cNvPr id="40" name="曲折矢印 39"/>
+                <p:cNvSpPr/>
+                <p:nvPr/>
+              </p:nvSpPr>
+              <p:spPr>
+                <a:xfrm rot="5400000" flipH="1">
+                  <a:off x="2969286" y="4691059"/>
+                  <a:ext cx="978536" cy="3023744"/>
+                </a:xfrm>
+                <a:prstGeom prst="bentArrow">
+                  <a:avLst>
+                    <a:gd name="adj1" fmla="val 50000"/>
+                    <a:gd name="adj2" fmla="val 25000"/>
+                    <a:gd name="adj3" fmla="val 0"/>
+                    <a:gd name="adj4" fmla="val 61528"/>
+                  </a:avLst>
+                </a:prstGeom>
+                <a:grpFill/>
+                <a:ln>
+                  <a:noFill/>
+                </a:ln>
+              </p:spPr>
+              <p:style>
+                <a:lnRef idx="2">
+                  <a:schemeClr val="accent1"/>
+                </a:lnRef>
+                <a:fillRef idx="1">
+                  <a:schemeClr val="lt1"/>
+                </a:fillRef>
+                <a:effectRef idx="0">
+                  <a:schemeClr val="accent1"/>
+                </a:effectRef>
+                <a:fontRef idx="minor">
+                  <a:schemeClr val="dk1"/>
+                </a:fontRef>
+              </p:style>
+              <p:txBody>
+                <a:bodyPr rtlCol="0" anchor="ctr"/>
+                <a:lstStyle/>
+                <a:p>
+                  <a:pPr algn="ctr"/>
+                  <a:endParaRPr kumimoji="1" lang="ja-JP" altLang="en-US" sz="1400">
+                    <a:solidFill>
+                      <a:schemeClr val="tx1"/>
+                    </a:solidFill>
+                    <a:latin typeface="ヒラギノ丸ゴ ProN W4"/>
+                    <a:ea typeface="ヒラギノ丸ゴ ProN W4"/>
+                    <a:cs typeface="ヒラギノ丸ゴ ProN W4"/>
+                  </a:endParaRPr>
+                </a:p>
+              </p:txBody>
+            </p:sp>
+          </p:grpSp>
+          <p:grpSp>
+            <p:nvGrpSpPr>
+              <p:cNvPr id="36" name="図形グループ 35"/>
+              <p:cNvGrpSpPr/>
+              <p:nvPr/>
+            </p:nvGrpSpPr>
+            <p:grpSpPr>
+              <a:xfrm flipH="1">
+                <a:off x="5375778" y="3549895"/>
+                <a:ext cx="2134284" cy="3142308"/>
+                <a:chOff x="3449129" y="3549895"/>
+                <a:chExt cx="2134284" cy="3142308"/>
+              </a:xfrm>
+              <a:grpFill/>
+            </p:grpSpPr>
+            <p:sp>
+              <p:nvSpPr>
+                <p:cNvPr id="37" name="曲折矢印 36"/>
+                <p:cNvSpPr/>
+                <p:nvPr/>
+              </p:nvSpPr>
+              <p:spPr>
+                <a:xfrm>
+                  <a:off x="4770574" y="3549895"/>
+                  <a:ext cx="812839" cy="2163788"/>
+                </a:xfrm>
+                <a:prstGeom prst="bentArrow">
+                  <a:avLst>
+                    <a:gd name="adj1" fmla="val 50000"/>
+                    <a:gd name="adj2" fmla="val 25000"/>
+                    <a:gd name="adj3" fmla="val 0"/>
+                    <a:gd name="adj4" fmla="val 61528"/>
+                  </a:avLst>
+                </a:prstGeom>
+                <a:grpFill/>
+                <a:ln>
+                  <a:noFill/>
+                </a:ln>
+              </p:spPr>
+              <p:style>
+                <a:lnRef idx="2">
+                  <a:schemeClr val="accent1"/>
+                </a:lnRef>
+                <a:fillRef idx="1">
+                  <a:schemeClr val="lt1"/>
+                </a:fillRef>
+                <a:effectRef idx="0">
+                  <a:schemeClr val="accent1"/>
+                </a:effectRef>
+                <a:fontRef idx="minor">
+                  <a:schemeClr val="dk1"/>
+                </a:fontRef>
+              </p:style>
+              <p:txBody>
+                <a:bodyPr rtlCol="0" anchor="ctr"/>
+                <a:lstStyle/>
+                <a:p>
+                  <a:pPr algn="ctr"/>
+                  <a:endParaRPr kumimoji="1" lang="ja-JP" altLang="en-US" sz="1400">
+                    <a:solidFill>
+                      <a:schemeClr val="tx1"/>
+                    </a:solidFill>
+                    <a:latin typeface="ヒラギノ丸ゴ ProN W4"/>
+                    <a:ea typeface="ヒラギノ丸ゴ ProN W4"/>
+                    <a:cs typeface="ヒラギノ丸ゴ ProN W4"/>
+                  </a:endParaRPr>
+                </a:p>
+              </p:txBody>
+            </p:sp>
+            <p:sp>
+              <p:nvSpPr>
+                <p:cNvPr id="38" name="曲折矢印 37"/>
+                <p:cNvSpPr/>
+                <p:nvPr/>
+              </p:nvSpPr>
+              <p:spPr>
+                <a:xfrm rot="5400000" flipH="1">
+                  <a:off x="3826436" y="5338853"/>
+                  <a:ext cx="976043" cy="1730657"/>
+                </a:xfrm>
+                <a:prstGeom prst="bentArrow">
+                  <a:avLst>
+                    <a:gd name="adj1" fmla="val 50000"/>
+                    <a:gd name="adj2" fmla="val 25000"/>
+                    <a:gd name="adj3" fmla="val 0"/>
+                    <a:gd name="adj4" fmla="val 61528"/>
+                  </a:avLst>
+                </a:prstGeom>
+                <a:grpFill/>
+                <a:ln>
+                  <a:noFill/>
+                </a:ln>
+              </p:spPr>
+              <p:style>
+                <a:lnRef idx="2">
+                  <a:schemeClr val="accent1"/>
+                </a:lnRef>
+                <a:fillRef idx="1">
+                  <a:schemeClr val="lt1"/>
+                </a:fillRef>
+                <a:effectRef idx="0">
+                  <a:schemeClr val="accent1"/>
+                </a:effectRef>
+                <a:fontRef idx="minor">
+                  <a:schemeClr val="dk1"/>
+                </a:fontRef>
+              </p:style>
+              <p:txBody>
+                <a:bodyPr rtlCol="0" anchor="ctr"/>
+                <a:lstStyle/>
+                <a:p>
+                  <a:pPr algn="ctr"/>
+                  <a:endParaRPr kumimoji="1" lang="ja-JP" altLang="en-US" sz="1400">
+                    <a:solidFill>
+                      <a:schemeClr val="tx1"/>
+                    </a:solidFill>
+                    <a:latin typeface="ヒラギノ丸ゴ ProN W4"/>
+                    <a:ea typeface="ヒラギノ丸ゴ ProN W4"/>
+                    <a:cs typeface="ヒラギノ丸ゴ ProN W4"/>
+                  </a:endParaRPr>
+                </a:p>
+              </p:txBody>
+            </p:sp>
+          </p:grpSp>
+        </p:grpSp>
+        <p:sp>
+          <p:nvSpPr>
+            <p:cNvPr id="26" name="正方形/長方形 25"/>
+            <p:cNvSpPr/>
+            <p:nvPr/>
+          </p:nvSpPr>
+          <p:spPr>
+            <a:xfrm>
+              <a:off x="1775018" y="4347569"/>
+              <a:ext cx="687007" cy="224045"/>
+            </a:xfrm>
+            <a:prstGeom prst="rect">
+              <a:avLst/>
+            </a:prstGeom>
+            <a:effectLst/>
+          </p:spPr>
+          <p:style>
+            <a:lnRef idx="1">
+              <a:schemeClr val="accent6"/>
+            </a:lnRef>
+            <a:fillRef idx="2">
+              <a:schemeClr val="accent6"/>
+            </a:fillRef>
+            <a:effectRef idx="1">
+              <a:schemeClr val="accent6"/>
+            </a:effectRef>
+            <a:fontRef idx="minor">
+              <a:schemeClr val="dk1"/>
+            </a:fontRef>
+          </p:style>
+          <p:txBody>
+            <a:bodyPr rtlCol="0" anchor="ctr"/>
+            <a:lstStyle/>
+            <a:p>
+              <a:pPr algn="ctr"/>
+              <a:r>
+                <a:rPr kumimoji="1" lang="en-US" altLang="ja-JP" sz="900" dirty="0" smtClean="0">
+                  <a:latin typeface="ヒラギノ丸ゴ ProN W4"/>
+                  <a:ea typeface="ヒラギノ丸ゴ ProN W4"/>
+                  <a:cs typeface="ヒラギノ丸ゴ ProN W4"/>
+                </a:rPr>
+                <a:t>VXLAN</a:t>
+              </a:r>
+              <a:endParaRPr kumimoji="1" lang="ja-JP" altLang="en-US" sz="900" dirty="0">
+                <a:latin typeface="ヒラギノ丸ゴ ProN W4"/>
+                <a:ea typeface="ヒラギノ丸ゴ ProN W4"/>
+                <a:cs typeface="ヒラギノ丸ゴ ProN W4"/>
+              </a:endParaRPr>
+            </a:p>
+          </p:txBody>
+        </p:sp>
+        <p:sp>
+          <p:nvSpPr>
+            <p:cNvPr id="27" name="正方形/長方形 26"/>
+            <p:cNvSpPr/>
+            <p:nvPr/>
+          </p:nvSpPr>
+          <p:spPr>
+            <a:xfrm>
+              <a:off x="3775639" y="2802265"/>
+              <a:ext cx="1172544" cy="339252"/>
+            </a:xfrm>
+            <a:prstGeom prst="rect">
+              <a:avLst/>
+            </a:prstGeom>
+            <a:solidFill>
+              <a:srgbClr val="FFFF00"/>
+            </a:solidFill>
+          </p:spPr>
+          <p:style>
+            <a:lnRef idx="2">
+              <a:schemeClr val="dk1"/>
+            </a:lnRef>
+            <a:fillRef idx="1">
+              <a:schemeClr val="lt1"/>
+            </a:fillRef>
+            <a:effectRef idx="0">
+              <a:schemeClr val="dk1"/>
+            </a:effectRef>
+            <a:fontRef idx="minor">
+              <a:schemeClr val="dk1"/>
+            </a:fontRef>
+          </p:style>
+          <p:txBody>
+            <a:bodyPr rtlCol="0" anchor="ctr"/>
+            <a:lstStyle/>
+            <a:p>
+              <a:pPr algn="ctr"/>
+              <a:r>
+                <a:rPr lang="en-US" altLang="ja-JP" sz="1200" dirty="0" smtClean="0">
+                  <a:latin typeface="ヒラギノ丸ゴ ProN W4"/>
+                  <a:ea typeface="ヒラギノ丸ゴ ProN W4"/>
+                  <a:cs typeface="ヒラギノ丸ゴ ProN W4"/>
+                </a:rPr>
+                <a:t>SFC</a:t>
+              </a:r>
+              <a:r>
+                <a:rPr lang="ja-JP" altLang="en-US" sz="1200" dirty="0" smtClean="0">
+                  <a:latin typeface="ヒラギノ丸ゴ ProN W4"/>
+                  <a:ea typeface="ヒラギノ丸ゴ ProN W4"/>
+                  <a:cs typeface="ヒラギノ丸ゴ ProN W4"/>
+                </a:rPr>
+                <a:t> </a:t>
+              </a:r>
+              <a:r>
+                <a:rPr lang="en-US" altLang="ja-JP" sz="1200" dirty="0" smtClean="0">
+                  <a:latin typeface="ヒラギノ丸ゴ ProN W4"/>
+                  <a:ea typeface="ヒラギノ丸ゴ ProN W4"/>
+                  <a:cs typeface="ヒラギノ丸ゴ ProN W4"/>
+                </a:rPr>
+                <a:t>Proxy</a:t>
+              </a:r>
+            </a:p>
+          </p:txBody>
+        </p:sp>
+        <p:sp>
+          <p:nvSpPr>
+            <p:cNvPr id="28" name="正方形/長方形 27"/>
+            <p:cNvSpPr/>
+            <p:nvPr/>
+          </p:nvSpPr>
+          <p:spPr>
+            <a:xfrm>
+              <a:off x="3773052" y="2115846"/>
+              <a:ext cx="1172544" cy="339252"/>
+            </a:xfrm>
+            <a:prstGeom prst="rect">
+              <a:avLst/>
+            </a:prstGeom>
+          </p:spPr>
+          <p:style>
+            <a:lnRef idx="2">
+              <a:schemeClr val="dk1"/>
+            </a:lnRef>
+            <a:fillRef idx="1">
+              <a:schemeClr val="lt1"/>
+            </a:fillRef>
+            <a:effectRef idx="0">
+              <a:schemeClr val="dk1"/>
+            </a:effectRef>
+            <a:fontRef idx="minor">
+              <a:schemeClr val="dk1"/>
+            </a:fontRef>
+          </p:style>
+          <p:txBody>
+            <a:bodyPr rtlCol="0" anchor="ctr"/>
+            <a:lstStyle/>
+            <a:p>
+              <a:pPr algn="ctr"/>
+              <a:r>
+                <a:rPr lang="en-US" altLang="ja-JP" sz="1200" dirty="0" smtClean="0">
+                  <a:latin typeface="ヒラギノ丸ゴ ProN W4"/>
+                  <a:ea typeface="ヒラギノ丸ゴ ProN W4"/>
+                  <a:cs typeface="ヒラギノ丸ゴ ProN W4"/>
+                </a:rPr>
+                <a:t>SF</a:t>
+              </a:r>
+            </a:p>
+          </p:txBody>
+        </p:sp>
+        <p:cxnSp>
+          <p:nvCxnSpPr>
+            <p:cNvPr id="29" name="直線矢印コネクタ 28"/>
+            <p:cNvCxnSpPr/>
+            <p:nvPr/>
+          </p:nvCxnSpPr>
+          <p:spPr>
+            <a:xfrm flipV="1">
+              <a:off x="4097850" y="2417209"/>
+              <a:ext cx="0" cy="405178"/>
+            </a:xfrm>
+            <a:prstGeom prst="straightConnector1">
+              <a:avLst/>
+            </a:prstGeom>
+            <a:ln>
+              <a:solidFill>
+                <a:schemeClr val="tx1"/>
+              </a:solidFill>
+              <a:tailEnd type="arrow" w="lg" len="lg"/>
+            </a:ln>
+          </p:spPr>
+          <p:style>
+            <a:lnRef idx="3">
+              <a:schemeClr val="accent1"/>
+            </a:lnRef>
+            <a:fillRef idx="0">
+              <a:schemeClr val="accent1"/>
+            </a:fillRef>
+            <a:effectRef idx="2">
+              <a:schemeClr val="accent1"/>
+            </a:effectRef>
+            <a:fontRef idx="minor">
+              <a:schemeClr val="tx1"/>
+            </a:fontRef>
+          </p:style>
+        </p:cxnSp>
+        <p:cxnSp>
+          <p:nvCxnSpPr>
+            <p:cNvPr id="30" name="直線矢印コネクタ 29"/>
+            <p:cNvCxnSpPr/>
+            <p:nvPr/>
+          </p:nvCxnSpPr>
+          <p:spPr>
+            <a:xfrm>
+              <a:off x="4570256" y="2417209"/>
+              <a:ext cx="1" cy="416095"/>
+            </a:xfrm>
+            <a:prstGeom prst="straightConnector1">
+              <a:avLst/>
+            </a:prstGeom>
+            <a:ln>
+              <a:solidFill>
+                <a:schemeClr val="tx1"/>
+              </a:solidFill>
+              <a:tailEnd type="arrow" w="lg" len="lg"/>
+            </a:ln>
+          </p:spPr>
+          <p:style>
+            <a:lnRef idx="3">
+              <a:schemeClr val="accent1"/>
+            </a:lnRef>
+            <a:fillRef idx="0">
+              <a:schemeClr val="accent1"/>
+            </a:fillRef>
+            <a:effectRef idx="2">
+              <a:schemeClr val="accent1"/>
+            </a:effectRef>
+            <a:fontRef idx="minor">
+              <a:schemeClr val="tx1"/>
+            </a:fontRef>
+          </p:style>
+        </p:cxnSp>
+        <p:sp>
+          <p:nvSpPr>
+            <p:cNvPr id="31" name="角丸四角形 30"/>
+            <p:cNvSpPr/>
+            <p:nvPr/>
+          </p:nvSpPr>
+          <p:spPr>
+            <a:xfrm>
+              <a:off x="3313531" y="1829841"/>
+              <a:ext cx="2015646" cy="1627850"/>
+            </a:xfrm>
+            <a:prstGeom prst="roundRect">
+              <a:avLst/>
+            </a:prstGeom>
+            <a:noFill/>
+            <a:ln w="57150" cmpd="sng">
+              <a:solidFill>
+                <a:srgbClr val="FF0000"/>
+              </a:solidFill>
+              <a:prstDash val="dash"/>
+            </a:ln>
+          </p:spPr>
+          <p:style>
+            <a:lnRef idx="1">
+              <a:schemeClr val="accent1"/>
+            </a:lnRef>
+            <a:fillRef idx="3">
+              <a:schemeClr val="accent1"/>
+            </a:fillRef>
+            <a:effectRef idx="2">
+              <a:schemeClr val="accent1"/>
+            </a:effectRef>
+            <a:fontRef idx="minor">
+              <a:schemeClr val="lt1"/>
+            </a:fontRef>
+          </p:style>
+          <p:txBody>
+            <a:bodyPr rtlCol="0" anchor="ctr"/>
+            <a:lstStyle/>
+            <a:p>
+              <a:pPr algn="ctr"/>
+              <a:endParaRPr kumimoji="1" lang="ja-JP" altLang="en-US" sz="1600"/>
+            </a:p>
+          </p:txBody>
+        </p:sp>
+        <p:sp>
+          <p:nvSpPr>
+            <p:cNvPr id="32" name="正方形/長方形 31"/>
+            <p:cNvSpPr/>
+            <p:nvPr/>
+          </p:nvSpPr>
+          <p:spPr>
+            <a:xfrm>
+              <a:off x="4393509" y="4141575"/>
+              <a:ext cx="480354" cy="224045"/>
+            </a:xfrm>
+            <a:prstGeom prst="rect">
+              <a:avLst/>
+            </a:prstGeom>
+            <a:effectLst/>
+          </p:spPr>
+          <p:style>
+            <a:lnRef idx="1">
+              <a:schemeClr val="accent3"/>
+            </a:lnRef>
+            <a:fillRef idx="2">
+              <a:schemeClr val="accent3"/>
+            </a:fillRef>
+            <a:effectRef idx="1">
+              <a:schemeClr val="accent3"/>
+            </a:effectRef>
+            <a:fontRef idx="minor">
+              <a:schemeClr val="dk1"/>
+            </a:fontRef>
+          </p:style>
+          <p:txBody>
+            <a:bodyPr rtlCol="0" anchor="ctr"/>
+            <a:lstStyle/>
+            <a:p>
+              <a:pPr algn="ctr"/>
+              <a:r>
+                <a:rPr lang="en-US" altLang="ja-JP" sz="900" dirty="0" smtClean="0">
+                  <a:latin typeface="ヒラギノ丸ゴ ProN W4"/>
+                  <a:ea typeface="ヒラギノ丸ゴ ProN W4"/>
+                  <a:cs typeface="ヒラギノ丸ゴ ProN W4"/>
+                </a:rPr>
+                <a:t>Data</a:t>
+              </a:r>
+              <a:endParaRPr kumimoji="1" lang="ja-JP" altLang="en-US" sz="900" dirty="0">
+                <a:latin typeface="ヒラギノ丸ゴ ProN W4"/>
+                <a:ea typeface="ヒラギノ丸ゴ ProN W4"/>
+                <a:cs typeface="ヒラギノ丸ゴ ProN W4"/>
+              </a:endParaRPr>
+            </a:p>
+          </p:txBody>
+        </p:sp>
+        <p:sp>
+          <p:nvSpPr>
+            <p:cNvPr id="33" name="正方形/長方形 32"/>
+            <p:cNvSpPr/>
+            <p:nvPr/>
+          </p:nvSpPr>
+          <p:spPr>
+            <a:xfrm>
+              <a:off x="3913155" y="4141575"/>
+              <a:ext cx="480354" cy="224045"/>
+            </a:xfrm>
+            <a:prstGeom prst="rect">
+              <a:avLst/>
+            </a:prstGeom>
+            <a:effectLst/>
+          </p:spPr>
+          <p:style>
+            <a:lnRef idx="1">
+              <a:schemeClr val="accent1"/>
+            </a:lnRef>
+            <a:fillRef idx="2">
+              <a:schemeClr val="accent1"/>
+            </a:fillRef>
+            <a:effectRef idx="1">
+              <a:schemeClr val="accent1"/>
+            </a:effectRef>
+            <a:fontRef idx="minor">
+              <a:schemeClr val="dk1"/>
+            </a:fontRef>
+          </p:style>
+          <p:txBody>
+            <a:bodyPr rtlCol="0" anchor="ctr"/>
+            <a:lstStyle/>
+            <a:p>
+              <a:pPr algn="ctr"/>
+              <a:r>
+                <a:rPr lang="en-US" altLang="ja-JP" sz="900" dirty="0" smtClean="0">
+                  <a:latin typeface="ヒラギノ丸ゴ ProN W4"/>
+                  <a:ea typeface="ヒラギノ丸ゴ ProN W4"/>
+                  <a:cs typeface="ヒラギノ丸ゴ ProN W4"/>
+                </a:rPr>
+                <a:t>NSH</a:t>
+              </a:r>
+              <a:endParaRPr kumimoji="1" lang="ja-JP" altLang="en-US" sz="900" dirty="0">
+                <a:latin typeface="ヒラギノ丸ゴ ProN W4"/>
+                <a:ea typeface="ヒラギノ丸ゴ ProN W4"/>
+                <a:cs typeface="ヒラギノ丸ゴ ProN W4"/>
+              </a:endParaRPr>
+            </a:p>
+          </p:txBody>
+        </p:sp>
+        <p:sp>
+          <p:nvSpPr>
+            <p:cNvPr id="34" name="正方形/長方形 33"/>
+            <p:cNvSpPr/>
+            <p:nvPr/>
+          </p:nvSpPr>
+          <p:spPr>
+            <a:xfrm>
+              <a:off x="3432801" y="2498397"/>
+              <a:ext cx="480354" cy="224045"/>
+            </a:xfrm>
+            <a:prstGeom prst="rect">
+              <a:avLst/>
+            </a:prstGeom>
+            <a:effectLst/>
+          </p:spPr>
+          <p:style>
+            <a:lnRef idx="1">
+              <a:schemeClr val="accent3"/>
+            </a:lnRef>
+            <a:fillRef idx="2">
+              <a:schemeClr val="accent3"/>
+            </a:fillRef>
+            <a:effectRef idx="1">
+              <a:schemeClr val="accent3"/>
+            </a:effectRef>
+            <a:fontRef idx="minor">
+              <a:schemeClr val="dk1"/>
+            </a:fontRef>
+          </p:style>
+          <p:txBody>
+            <a:bodyPr rtlCol="0" anchor="ctr"/>
+            <a:lstStyle/>
+            <a:p>
+              <a:pPr algn="ctr"/>
+              <a:r>
+                <a:rPr lang="en-US" altLang="ja-JP" sz="900" dirty="0" smtClean="0">
+                  <a:latin typeface="ヒラギノ丸ゴ ProN W4"/>
+                  <a:ea typeface="ヒラギノ丸ゴ ProN W4"/>
+                  <a:cs typeface="ヒラギノ丸ゴ ProN W4"/>
+                </a:rPr>
+                <a:t>Data</a:t>
+              </a:r>
+              <a:endParaRPr kumimoji="1" lang="ja-JP" altLang="en-US" sz="900" dirty="0">
+                <a:latin typeface="ヒラギノ丸ゴ ProN W4"/>
+                <a:ea typeface="ヒラギノ丸ゴ ProN W4"/>
+                <a:cs typeface="ヒラギノ丸ゴ ProN W4"/>
+              </a:endParaRPr>
+            </a:p>
+          </p:txBody>
+        </p:sp>
+      </p:grpSp>
+      <p:pic>
+        <p:nvPicPr>
+          <p:cNvPr id="41" name="図 40"/>
+          <p:cNvPicPr>
+            <a:picLocks noChangeAspect="1"/>
+          </p:cNvPicPr>
+          <p:nvPr/>
+        </p:nvPicPr>
+        <p:blipFill rotWithShape="1">
+          <a:blip r:embed="rId5"/>
+          <a:srcRect l="621" r="44370" b="37657"/>
+          <a:stretch/>
+        </p:blipFill>
+        <p:spPr>
+          <a:xfrm>
+            <a:off x="6466848" y="4565550"/>
+            <a:ext cx="2575345" cy="1869460"/>
+          </a:xfrm>
+          <a:prstGeom prst="rect">
+            <a:avLst/>
+          </a:prstGeom>
+        </p:spPr>
+      </p:pic>
+      <p:sp>
+        <p:nvSpPr>
+          <p:cNvPr id="42" name="テキスト ボックス 41"/>
+          <p:cNvSpPr txBox="1"/>
+          <p:nvPr/>
+        </p:nvSpPr>
+        <p:spPr>
+          <a:xfrm>
+            <a:off x="6820885" y="3922186"/>
+            <a:ext cx="2110866" cy="584776"/>
+          </a:xfrm>
+          <a:prstGeom prst="rect">
+            <a:avLst/>
+          </a:prstGeom>
+          <a:noFill/>
+        </p:spPr>
+        <p:txBody>
+          <a:bodyPr wrap="square" rtlCol="0">
+            <a:spAutoFit/>
+          </a:bodyPr>
+          <a:lstStyle/>
+          <a:p>
+            <a:r>
+              <a:rPr lang="en-US" altLang="ja-JP" sz="1600" dirty="0"/>
+              <a:t>A</a:t>
+            </a:r>
+            <a:r>
+              <a:rPr lang="en-US" altLang="ja-JP" sz="1600" dirty="0" smtClean="0"/>
+              <a:t>ll components are in</a:t>
+            </a:r>
+          </a:p>
+          <a:p>
+            <a:r>
+              <a:rPr kumimoji="1" lang="en-US" altLang="ja-JP" sz="1600" dirty="0" smtClean="0"/>
+              <a:t>vagrant + </a:t>
+            </a:r>
+            <a:r>
+              <a:rPr kumimoji="1" lang="en-US" altLang="ja-JP" sz="1600" dirty="0" err="1" smtClean="0"/>
+              <a:t>VirtualBox</a:t>
+            </a:r>
+            <a:endParaRPr kumimoji="1" lang="en-US" altLang="ja-JP" sz="1600" dirty="0" smtClean="0"/>
+          </a:p>
+        </p:txBody>
+      </p:sp>
+      <p:cxnSp>
+        <p:nvCxnSpPr>
+          <p:cNvPr id="43" name="直線コネクタ 42"/>
+          <p:cNvCxnSpPr/>
+          <p:nvPr/>
+        </p:nvCxnSpPr>
+        <p:spPr>
+          <a:xfrm>
+            <a:off x="6343503" y="4030266"/>
+            <a:ext cx="0" cy="2384007"/>
+          </a:xfrm>
+          <a:prstGeom prst="line">
+            <a:avLst/>
+          </a:prstGeom>
+          <a:ln>
+            <a:prstDash val="dash"/>
+          </a:ln>
+        </p:spPr>
+        <p:style>
+          <a:lnRef idx="2">
+            <a:schemeClr val="accent1"/>
+          </a:lnRef>
+          <a:fillRef idx="0">
+            <a:schemeClr val="accent1"/>
+          </a:fillRef>
+          <a:effectRef idx="1">
+            <a:schemeClr val="accent1"/>
+          </a:effectRef>
+          <a:fontRef idx="minor">
+            <a:schemeClr val="tx1"/>
+          </a:fontRef>
+        </p:style>
+      </p:cxnSp>
+      <p:sp>
+        <p:nvSpPr>
+          <p:cNvPr id="44" name="正方形/長方形 43"/>
+          <p:cNvSpPr/>
+          <p:nvPr/>
+        </p:nvSpPr>
+        <p:spPr>
+          <a:xfrm>
+            <a:off x="416499" y="2703733"/>
+            <a:ext cx="2364286" cy="886486"/>
+          </a:xfrm>
+          <a:prstGeom prst="rect">
+            <a:avLst/>
+          </a:prstGeom>
+          <a:solidFill>
+            <a:schemeClr val="tx2">
+              <a:lumMod val="60000"/>
+              <a:lumOff val="40000"/>
+            </a:schemeClr>
+          </a:solidFill>
+        </p:spPr>
+        <p:style>
+          <a:lnRef idx="1">
+            <a:schemeClr val="accent1"/>
+          </a:lnRef>
+          <a:fillRef idx="3">
+            <a:schemeClr val="accent1"/>
+          </a:fillRef>
+          <a:effectRef idx="2">
+            <a:schemeClr val="accent1"/>
+          </a:effectRef>
+          <a:fontRef idx="minor">
+            <a:schemeClr val="lt1"/>
+          </a:fontRef>
+        </p:style>
+        <p:txBody>
+          <a:bodyPr rtlCol="0" anchor="ctr"/>
+          <a:lstStyle/>
+          <a:p>
+            <a:pPr algn="ctr"/>
+            <a:r>
+              <a:rPr kumimoji="1" lang="en-US" altLang="ja-JP" sz="2000" dirty="0" smtClean="0"/>
+              <a:t>Present SFC Proxy</a:t>
+            </a:r>
+          </a:p>
+          <a:p>
+            <a:pPr algn="ctr"/>
+            <a:r>
+              <a:rPr lang="en-US" altLang="ja-JP" sz="2000" dirty="0" smtClean="0"/>
+              <a:t>Function</a:t>
+            </a:r>
+            <a:endParaRPr kumimoji="1" lang="ja-JP" altLang="en-US" sz="2000" dirty="0"/>
+          </a:p>
+        </p:txBody>
+      </p:sp>
+      <p:sp>
+        <p:nvSpPr>
+          <p:cNvPr id="45" name="正方形/長方形 44"/>
+          <p:cNvSpPr/>
+          <p:nvPr/>
+        </p:nvSpPr>
+        <p:spPr>
+          <a:xfrm>
+            <a:off x="6364801" y="2720324"/>
+            <a:ext cx="2648022" cy="886486"/>
+          </a:xfrm>
+          <a:prstGeom prst="rect">
+            <a:avLst/>
+          </a:prstGeom>
+          <a:solidFill>
+            <a:srgbClr val="558ED5"/>
+          </a:solidFill>
+          <a:ln>
+            <a:solidFill>
+              <a:srgbClr val="4F81BD"/>
+            </a:solidFill>
+          </a:ln>
+        </p:spPr>
+        <p:style>
+          <a:lnRef idx="1">
+            <a:schemeClr val="accent1"/>
+          </a:lnRef>
+          <a:fillRef idx="3">
+            <a:schemeClr val="accent1"/>
+          </a:fillRef>
+          <a:effectRef idx="2">
+            <a:schemeClr val="accent1"/>
+          </a:effectRef>
+          <a:fontRef idx="minor">
+            <a:schemeClr val="lt1"/>
+          </a:fontRef>
+        </p:style>
+        <p:txBody>
+          <a:bodyPr rtlCol="0" anchor="ctr"/>
+          <a:lstStyle/>
+          <a:p>
+            <a:pPr algn="ctr"/>
+            <a:r>
+              <a:rPr kumimoji="1" lang="en-US" altLang="ja-JP" dirty="0"/>
+              <a:t>T</a:t>
+            </a:r>
+            <a:r>
+              <a:rPr kumimoji="1" lang="en-US" altLang="ja-JP" dirty="0" smtClean="0"/>
+              <a:t>est </a:t>
+            </a:r>
+            <a:r>
+              <a:rPr lang="en-US" altLang="ja-JP" dirty="0"/>
+              <a:t>E</a:t>
+            </a:r>
+            <a:r>
+              <a:rPr lang="en-US" altLang="ja-JP" dirty="0" smtClean="0"/>
+              <a:t>nvironment</a:t>
+            </a:r>
+          </a:p>
+          <a:p>
+            <a:pPr algn="ctr"/>
+            <a:r>
+              <a:rPr kumimoji="1" lang="en-US" altLang="ja-JP" dirty="0" smtClean="0"/>
+              <a:t>&lt;We will share </a:t>
+            </a:r>
+            <a:r>
+              <a:rPr lang="en-US" altLang="ja-JP" dirty="0" smtClean="0"/>
+              <a:t>this code</a:t>
+            </a:r>
+            <a:r>
+              <a:rPr kumimoji="1" lang="en-US" altLang="ja-JP" dirty="0" smtClean="0"/>
+              <a:t>!&gt;</a:t>
+            </a:r>
+            <a:endParaRPr kumimoji="1" lang="ja-JP" altLang="en-US" dirty="0"/>
+          </a:p>
+        </p:txBody>
+      </p:sp>
+      <p:sp>
+        <p:nvSpPr>
+          <p:cNvPr id="46" name="Title 1"/>
+          <p:cNvSpPr>
+            <a:spLocks noGrp="1"/>
+          </p:cNvSpPr>
+          <p:nvPr>
+            <p:ph type="title"/>
+          </p:nvPr>
+        </p:nvSpPr>
+        <p:spPr>
+          <a:xfrm>
+            <a:off x="2564592" y="118654"/>
+            <a:ext cx="4297573" cy="706725"/>
+          </a:xfrm>
+        </p:spPr>
+        <p:txBody>
+          <a:bodyPr>
+            <a:noAutofit/>
+          </a:bodyPr>
+          <a:lstStyle/>
+          <a:p>
+            <a:r>
+              <a:rPr lang="en-US" altLang="ja-JP" u="sng" dirty="0" smtClean="0"/>
+              <a:t>SFC</a:t>
+            </a:r>
+            <a:r>
+              <a:rPr lang="en-GB" u="sng" dirty="0" smtClean="0"/>
+              <a:t> </a:t>
+            </a:r>
+            <a:r>
+              <a:rPr lang="en-GB" u="sng" dirty="0" err="1" smtClean="0"/>
+              <a:t>Hackathon</a:t>
+            </a:r>
+            <a:endParaRPr lang="en-GB" u="sng" dirty="0"/>
+          </a:p>
+        </p:txBody>
+      </p:sp>
+      <p:sp>
+        <p:nvSpPr>
+          <p:cNvPr id="47" name="8-Point Star 11"/>
+          <p:cNvSpPr/>
+          <p:nvPr/>
+        </p:nvSpPr>
+        <p:spPr>
+          <a:xfrm>
+            <a:off x="4208842" y="2625754"/>
+            <a:ext cx="2022970" cy="1024546"/>
+          </a:xfrm>
+          <a:prstGeom prst="star8">
+            <a:avLst/>
+          </a:prstGeom>
+          <a:solidFill>
+            <a:srgbClr val="008000"/>
+          </a:solidFill>
+        </p:spPr>
+        <p:style>
+          <a:lnRef idx="1">
+            <a:schemeClr val="accent1"/>
+          </a:lnRef>
+          <a:fillRef idx="3">
+            <a:schemeClr val="accent1"/>
+          </a:fillRef>
+          <a:effectRef idx="2">
+            <a:schemeClr val="accent1"/>
+          </a:effectRef>
+          <a:fontRef idx="minor">
+            <a:schemeClr val="lt1"/>
+          </a:fontRef>
+        </p:style>
+        <p:txBody>
+          <a:bodyPr rtlCol="0" anchor="ctr"/>
+          <a:lstStyle/>
+          <a:p>
+            <a:pPr algn="ctr"/>
+            <a:r>
+              <a:rPr lang="en-US" dirty="0" smtClean="0">
+                <a:solidFill>
+                  <a:schemeClr val="bg1"/>
+                </a:solidFill>
+                <a:latin typeface="Bodoni 72 Bold"/>
+                <a:cs typeface="Bodoni 72 Bold"/>
+              </a:rPr>
+              <a:t>DEMOS </a:t>
+            </a:r>
+          </a:p>
+          <a:p>
+            <a:pPr algn="ctr"/>
+            <a:r>
+              <a:rPr lang="en-US" dirty="0" smtClean="0">
+                <a:solidFill>
+                  <a:schemeClr val="bg1"/>
+                </a:solidFill>
+                <a:latin typeface="Bodoni 72 Bold"/>
+                <a:cs typeface="Bodoni 72 Bold"/>
+              </a:rPr>
+              <a:t>AVAILABLE</a:t>
+            </a:r>
+            <a:endParaRPr lang="en-US" dirty="0">
+              <a:solidFill>
+                <a:schemeClr val="bg1"/>
+              </a:solidFill>
+              <a:latin typeface="Bodoni 72 Bold"/>
+              <a:cs typeface="Bodoni 72 Bold"/>
+            </a:endParaRPr>
+          </a:p>
+        </p:txBody>
+      </p:sp>
+      <p:sp>
+        <p:nvSpPr>
+          <p:cNvPr id="48" name="上カーブ矢印 47"/>
+          <p:cNvSpPr/>
+          <p:nvPr/>
+        </p:nvSpPr>
+        <p:spPr>
+          <a:xfrm>
+            <a:off x="5856409" y="6144817"/>
+            <a:ext cx="1480411" cy="554225"/>
+          </a:xfrm>
+          <a:prstGeom prst="curvedUpArrow">
+            <a:avLst>
+              <a:gd name="adj1" fmla="val 25230"/>
+              <a:gd name="adj2" fmla="val 52922"/>
+              <a:gd name="adj3" fmla="val 25000"/>
+            </a:avLst>
+          </a:prstGeom>
+        </p:spPr>
+        <p:style>
+          <a:lnRef idx="1">
+            <a:schemeClr val="accent1"/>
+          </a:lnRef>
+          <a:fillRef idx="3">
+            <a:schemeClr val="accent1"/>
+          </a:fillRef>
+          <a:effectRef idx="2">
+            <a:schemeClr val="accent1"/>
+          </a:effectRef>
+          <a:fontRef idx="minor">
+            <a:schemeClr val="lt1"/>
+          </a:fontRef>
+        </p:style>
+        <p:txBody>
+          <a:bodyPr rtlCol="0" anchor="ctr"/>
+          <a:lstStyle/>
+          <a:p>
+            <a:pPr algn="ctr"/>
+            <a:endParaRPr kumimoji="1" lang="ja-JP" altLang="en-US">
+              <a:solidFill>
+                <a:schemeClr val="tx1"/>
+              </a:solidFill>
+            </a:endParaRPr>
+          </a:p>
+        </p:txBody>
+      </p:sp>
     </p:spTree>
     <p:extLst>
       <p:ext uri="{BB962C8B-B14F-4D97-AF65-F5344CB8AC3E}">
